--- a/fig/3-new-planner/rev_cagingmani_ver2.pptx
+++ b/fig/3-new-planner/rev_cagingmani_ver2.pptx
@@ -243,7 +243,7 @@
           <a:p>
             <a:fld id="{BC09EB0A-619C-4215-BD07-018A683BE7E8}" type="datetimeFigureOut">
               <a:rPr kumimoji="1" lang="ja-JP" altLang="en-US" smtClean="0"/>
-              <a:t>2023/1/16</a:t>
+              <a:t>2023/1/20</a:t>
             </a:fld>
             <a:endParaRPr kumimoji="1" lang="ja-JP" altLang="en-US"/>
           </a:p>
@@ -445,7 +445,7 @@
           <a:p>
             <a:fld id="{BC09EB0A-619C-4215-BD07-018A683BE7E8}" type="datetimeFigureOut">
               <a:rPr kumimoji="1" lang="ja-JP" altLang="en-US" smtClean="0"/>
-              <a:t>2023/1/16</a:t>
+              <a:t>2023/1/20</a:t>
             </a:fld>
             <a:endParaRPr kumimoji="1" lang="ja-JP" altLang="en-US"/>
           </a:p>
@@ -657,7 +657,7 @@
           <a:p>
             <a:fld id="{BC09EB0A-619C-4215-BD07-018A683BE7E8}" type="datetimeFigureOut">
               <a:rPr kumimoji="1" lang="ja-JP" altLang="en-US" smtClean="0"/>
-              <a:t>2023/1/16</a:t>
+              <a:t>2023/1/20</a:t>
             </a:fld>
             <a:endParaRPr kumimoji="1" lang="ja-JP" altLang="en-US"/>
           </a:p>
@@ -859,7 +859,7 @@
           <a:p>
             <a:fld id="{BC09EB0A-619C-4215-BD07-018A683BE7E8}" type="datetimeFigureOut">
               <a:rPr kumimoji="1" lang="ja-JP" altLang="en-US" smtClean="0"/>
-              <a:t>2023/1/16</a:t>
+              <a:t>2023/1/20</a:t>
             </a:fld>
             <a:endParaRPr kumimoji="1" lang="ja-JP" altLang="en-US"/>
           </a:p>
@@ -1103,7 +1103,7 @@
           <a:p>
             <a:fld id="{BC09EB0A-619C-4215-BD07-018A683BE7E8}" type="datetimeFigureOut">
               <a:rPr kumimoji="1" lang="ja-JP" altLang="en-US" smtClean="0"/>
-              <a:t>2023/1/16</a:t>
+              <a:t>2023/1/20</a:t>
             </a:fld>
             <a:endParaRPr kumimoji="1" lang="ja-JP" altLang="en-US"/>
           </a:p>
@@ -1399,7 +1399,7 @@
           <a:p>
             <a:fld id="{BC09EB0A-619C-4215-BD07-018A683BE7E8}" type="datetimeFigureOut">
               <a:rPr kumimoji="1" lang="ja-JP" altLang="en-US" smtClean="0"/>
-              <a:t>2023/1/16</a:t>
+              <a:t>2023/1/20</a:t>
             </a:fld>
             <a:endParaRPr kumimoji="1" lang="ja-JP" altLang="en-US"/>
           </a:p>
@@ -1830,7 +1830,7 @@
           <a:p>
             <a:fld id="{BC09EB0A-619C-4215-BD07-018A683BE7E8}" type="datetimeFigureOut">
               <a:rPr kumimoji="1" lang="ja-JP" altLang="en-US" smtClean="0"/>
-              <a:t>2023/1/16</a:t>
+              <a:t>2023/1/20</a:t>
             </a:fld>
             <a:endParaRPr kumimoji="1" lang="ja-JP" altLang="en-US"/>
           </a:p>
@@ -1948,7 +1948,7 @@
           <a:p>
             <a:fld id="{BC09EB0A-619C-4215-BD07-018A683BE7E8}" type="datetimeFigureOut">
               <a:rPr kumimoji="1" lang="ja-JP" altLang="en-US" smtClean="0"/>
-              <a:t>2023/1/16</a:t>
+              <a:t>2023/1/20</a:t>
             </a:fld>
             <a:endParaRPr kumimoji="1" lang="ja-JP" altLang="en-US"/>
           </a:p>
@@ -2043,7 +2043,7 @@
           <a:p>
             <a:fld id="{BC09EB0A-619C-4215-BD07-018A683BE7E8}" type="datetimeFigureOut">
               <a:rPr kumimoji="1" lang="ja-JP" altLang="en-US" smtClean="0"/>
-              <a:t>2023/1/16</a:t>
+              <a:t>2023/1/20</a:t>
             </a:fld>
             <a:endParaRPr kumimoji="1" lang="ja-JP" altLang="en-US"/>
           </a:p>
@@ -2352,7 +2352,7 @@
           <a:p>
             <a:fld id="{BC09EB0A-619C-4215-BD07-018A683BE7E8}" type="datetimeFigureOut">
               <a:rPr kumimoji="1" lang="ja-JP" altLang="en-US" smtClean="0"/>
-              <a:t>2023/1/16</a:t>
+              <a:t>2023/1/20</a:t>
             </a:fld>
             <a:endParaRPr kumimoji="1" lang="ja-JP" altLang="en-US"/>
           </a:p>
@@ -2609,7 +2609,7 @@
           <a:p>
             <a:fld id="{BC09EB0A-619C-4215-BD07-018A683BE7E8}" type="datetimeFigureOut">
               <a:rPr kumimoji="1" lang="ja-JP" altLang="en-US" smtClean="0"/>
-              <a:t>2023/1/16</a:t>
+              <a:t>2023/1/20</a:t>
             </a:fld>
             <a:endParaRPr kumimoji="1" lang="ja-JP" altLang="en-US"/>
           </a:p>
@@ -2854,7 +2854,7 @@
           <a:p>
             <a:fld id="{BC09EB0A-619C-4215-BD07-018A683BE7E8}" type="datetimeFigureOut">
               <a:rPr kumimoji="1" lang="ja-JP" altLang="en-US" smtClean="0"/>
-              <a:t>2023/1/16</a:t>
+              <a:t>2023/1/20</a:t>
             </a:fld>
             <a:endParaRPr kumimoji="1" lang="ja-JP" altLang="en-US"/>
           </a:p>
@@ -4623,8 +4623,8 @@
           </a:p>
         </p:txBody>
       </p:sp>
-      <mc:AlternateContent xmlns:mc="http://schemas.openxmlformats.org/markup-compatibility/2006">
-        <mc:Choice xmlns:a14="http://schemas.microsoft.com/office/drawing/2010/main" Requires="a14">
+      <mc:AlternateContent xmlns:mc="http://schemas.openxmlformats.org/markup-compatibility/2006" xmlns:a14="http://schemas.microsoft.com/office/drawing/2010/main">
+        <mc:Choice Requires="a14">
           <p:sp>
             <p:nvSpPr>
               <p:cNvPr id="7" name="テキスト ボックス 6">
@@ -4751,7 +4751,7 @@
             </p:txBody>
           </p:sp>
         </mc:Choice>
-        <mc:Fallback>
+        <mc:Fallback xmlns="">
           <p:sp>
             <p:nvSpPr>
               <p:cNvPr id="7" name="テキスト ボックス 6">
@@ -4908,8 +4908,8 @@
             </p:nvSpPr>
             <p:spPr>
               <a:xfrm>
-                <a:off x="1686490" y="2373753"/>
-                <a:ext cx="2617127" cy="528606"/>
+                <a:off x="1634532" y="2400212"/>
+                <a:ext cx="2794804" cy="528606"/>
               </a:xfrm>
               <a:prstGeom prst="rect">
                 <a:avLst/>
@@ -5010,7 +5010,28 @@
                         <a:rPr kumimoji="1" lang="en-US" altLang="ja-JP" sz="3000" b="0" i="1" smtClean="0">
                           <a:latin typeface="Cambria Math" panose="02040503050406030204" pitchFamily="18" charset="0"/>
                         </a:rPr>
-                        <m:t>−1) </m:t>
+                        <m:t>−</m:t>
+                      </m:r>
+                      <m:r>
+                        <m:rPr>
+                          <m:sty m:val="p"/>
+                        </m:rPr>
+                        <a:rPr kumimoji="1" lang="en-US" altLang="ja-JP" sz="3000">
+                          <a:latin typeface="Cambria Math" panose="02040503050406030204" pitchFamily="18" charset="0"/>
+                        </a:rPr>
+                        <m:t>Δ</m:t>
+                      </m:r>
+                      <m:r>
+                        <a:rPr kumimoji="1" lang="en-US" altLang="ja-JP" sz="3000" i="1">
+                          <a:latin typeface="Cambria Math" panose="02040503050406030204" pitchFamily="18" charset="0"/>
+                        </a:rPr>
+                        <m:t>𝑡</m:t>
+                      </m:r>
+                      <m:r>
+                        <a:rPr kumimoji="1" lang="en-US" altLang="ja-JP" sz="3000" i="1">
+                          <a:latin typeface="Cambria Math" panose="02040503050406030204" pitchFamily="18" charset="0"/>
+                        </a:rPr>
+                        <m:t>) </m:t>
                       </m:r>
                     </m:oMath>
                   </m:oMathPara>
@@ -5037,8 +5058,8 @@
             </p:nvSpPr>
             <p:spPr>
               <a:xfrm>
-                <a:off x="1686490" y="2373753"/>
-                <a:ext cx="2617127" cy="528606"/>
+                <a:off x="1634532" y="2400212"/>
+                <a:ext cx="2794804" cy="528606"/>
               </a:xfrm>
               <a:prstGeom prst="rect">
                 <a:avLst/>
@@ -5081,8 +5102,8 @@
             </p:nvSpPr>
             <p:spPr>
               <a:xfrm>
-                <a:off x="-22991" y="1356051"/>
-                <a:ext cx="2643754" cy="528606"/>
+                <a:off x="12816" y="1170559"/>
+                <a:ext cx="2816425" cy="528606"/>
               </a:xfrm>
               <a:prstGeom prst="rect">
                 <a:avLst/>
@@ -5183,7 +5204,28 @@
                         <a:rPr kumimoji="1" lang="en-US" altLang="ja-JP" sz="3000" b="0" i="1" smtClean="0">
                           <a:latin typeface="Cambria Math" panose="02040503050406030204" pitchFamily="18" charset="0"/>
                         </a:rPr>
-                        <m:t>−1) </m:t>
+                        <m:t>−</m:t>
+                      </m:r>
+                      <m:r>
+                        <m:rPr>
+                          <m:sty m:val="p"/>
+                        </m:rPr>
+                        <a:rPr kumimoji="1" lang="en-US" altLang="ja-JP" sz="3000">
+                          <a:latin typeface="Cambria Math" panose="02040503050406030204" pitchFamily="18" charset="0"/>
+                        </a:rPr>
+                        <m:t>Δ</m:t>
+                      </m:r>
+                      <m:r>
+                        <a:rPr kumimoji="1" lang="en-US" altLang="ja-JP" sz="3000" i="1">
+                          <a:latin typeface="Cambria Math" panose="02040503050406030204" pitchFamily="18" charset="0"/>
+                        </a:rPr>
+                        <m:t>𝑡</m:t>
+                      </m:r>
+                      <m:r>
+                        <a:rPr kumimoji="1" lang="en-US" altLang="ja-JP" sz="3000" i="1">
+                          <a:latin typeface="Cambria Math" panose="02040503050406030204" pitchFamily="18" charset="0"/>
+                        </a:rPr>
+                        <m:t>) </m:t>
                       </m:r>
                     </m:oMath>
                   </m:oMathPara>
@@ -5210,8 +5252,8 @@
             </p:nvSpPr>
             <p:spPr>
               <a:xfrm>
-                <a:off x="-22991" y="1356051"/>
-                <a:ext cx="2643754" cy="528606"/>
+                <a:off x="12816" y="1170559"/>
+                <a:ext cx="2816425" cy="528606"/>
               </a:xfrm>
               <a:prstGeom prst="rect">
                 <a:avLst/>
@@ -5325,8 +5367,8 @@
           </a:fontRef>
         </p:style>
       </p:cxnSp>
-      <mc:AlternateContent xmlns:mc="http://schemas.openxmlformats.org/markup-compatibility/2006">
-        <mc:Choice xmlns:a14="http://schemas.microsoft.com/office/drawing/2010/main" Requires="a14">
+      <mc:AlternateContent xmlns:mc="http://schemas.openxmlformats.org/markup-compatibility/2006" xmlns:a14="http://schemas.microsoft.com/office/drawing/2010/main">
+        <mc:Choice Requires="a14">
           <p:sp>
             <p:nvSpPr>
               <p:cNvPr id="17" name="テキスト ボックス 16">
@@ -5453,7 +5495,7 @@
             </p:txBody>
           </p:sp>
         </mc:Choice>
-        <mc:Fallback>
+        <mc:Fallback xmlns="">
           <p:sp>
             <p:nvSpPr>
               <p:cNvPr id="17" name="テキスト ボックス 16">
